--- a/preliminary_setup.pptx
+++ b/preliminary_setup.pptx
@@ -7,10 +7,11 @@
   <p:sldIdLst>
     <p:sldId id="299" r:id="rId2"/>
     <p:sldId id="300" r:id="rId3"/>
-    <p:sldId id="301" r:id="rId4"/>
-    <p:sldId id="302" r:id="rId5"/>
-    <p:sldId id="303" r:id="rId6"/>
-    <p:sldId id="304" r:id="rId7"/>
+    <p:sldId id="305" r:id="rId4"/>
+    <p:sldId id="301" r:id="rId5"/>
+    <p:sldId id="302" r:id="rId6"/>
+    <p:sldId id="303" r:id="rId7"/>
+    <p:sldId id="304" r:id="rId8"/>
   </p:sldIdLst>
   <p:sldSz cx="10058400" cy="7772400"/>
   <p:notesSz cx="6858000" cy="9144000"/>
@@ -3004,7 +3005,7 @@
           <a:p>
             <a:fld id="{F0956EB8-36EC-4825-9C55-E038F184957B}" type="datetimeFigureOut">
               <a:rPr lang="en-US" smtClean="0"/>
-              <a:t>11/2/2023</a:t>
+              <a:t>11/7/2023</a:t>
             </a:fld>
             <a:endParaRPr lang="en-US"/>
           </a:p>
@@ -3174,7 +3175,7 @@
           <a:p>
             <a:fld id="{F0956EB8-36EC-4825-9C55-E038F184957B}" type="datetimeFigureOut">
               <a:rPr lang="en-US" smtClean="0"/>
-              <a:t>11/2/2023</a:t>
+              <a:t>11/7/2023</a:t>
             </a:fld>
             <a:endParaRPr lang="en-US"/>
           </a:p>
@@ -3354,7 +3355,7 @@
           <a:p>
             <a:fld id="{F0956EB8-36EC-4825-9C55-E038F184957B}" type="datetimeFigureOut">
               <a:rPr lang="en-US" smtClean="0"/>
-              <a:t>11/2/2023</a:t>
+              <a:t>11/7/2023</a:t>
             </a:fld>
             <a:endParaRPr lang="en-US"/>
           </a:p>
@@ -3524,7 +3525,7 @@
           <a:p>
             <a:fld id="{F0956EB8-36EC-4825-9C55-E038F184957B}" type="datetimeFigureOut">
               <a:rPr lang="en-US" smtClean="0"/>
-              <a:t>11/2/2023</a:t>
+              <a:t>11/7/2023</a:t>
             </a:fld>
             <a:endParaRPr lang="en-US"/>
           </a:p>
@@ -3768,7 +3769,7 @@
           <a:p>
             <a:fld id="{F0956EB8-36EC-4825-9C55-E038F184957B}" type="datetimeFigureOut">
               <a:rPr lang="en-US" smtClean="0"/>
-              <a:t>11/2/2023</a:t>
+              <a:t>11/7/2023</a:t>
             </a:fld>
             <a:endParaRPr lang="en-US"/>
           </a:p>
@@ -4000,7 +4001,7 @@
           <a:p>
             <a:fld id="{F0956EB8-36EC-4825-9C55-E038F184957B}" type="datetimeFigureOut">
               <a:rPr lang="en-US" smtClean="0"/>
-              <a:t>11/2/2023</a:t>
+              <a:t>11/7/2023</a:t>
             </a:fld>
             <a:endParaRPr lang="en-US"/>
           </a:p>
@@ -4367,7 +4368,7 @@
           <a:p>
             <a:fld id="{F0956EB8-36EC-4825-9C55-E038F184957B}" type="datetimeFigureOut">
               <a:rPr lang="en-US" smtClean="0"/>
-              <a:t>11/2/2023</a:t>
+              <a:t>11/7/2023</a:t>
             </a:fld>
             <a:endParaRPr lang="en-US"/>
           </a:p>
@@ -4485,7 +4486,7 @@
           <a:p>
             <a:fld id="{F0956EB8-36EC-4825-9C55-E038F184957B}" type="datetimeFigureOut">
               <a:rPr lang="en-US" smtClean="0"/>
-              <a:t>11/2/2023</a:t>
+              <a:t>11/7/2023</a:t>
             </a:fld>
             <a:endParaRPr lang="en-US"/>
           </a:p>
@@ -4580,7 +4581,7 @@
           <a:p>
             <a:fld id="{F0956EB8-36EC-4825-9C55-E038F184957B}" type="datetimeFigureOut">
               <a:rPr lang="en-US" smtClean="0"/>
-              <a:t>11/2/2023</a:t>
+              <a:t>11/7/2023</a:t>
             </a:fld>
             <a:endParaRPr lang="en-US"/>
           </a:p>
@@ -4857,7 +4858,7 @@
           <a:p>
             <a:fld id="{F0956EB8-36EC-4825-9C55-E038F184957B}" type="datetimeFigureOut">
               <a:rPr lang="en-US" smtClean="0"/>
-              <a:t>11/2/2023</a:t>
+              <a:t>11/7/2023</a:t>
             </a:fld>
             <a:endParaRPr lang="en-US"/>
           </a:p>
@@ -5114,7 +5115,7 @@
           <a:p>
             <a:fld id="{F0956EB8-36EC-4825-9C55-E038F184957B}" type="datetimeFigureOut">
               <a:rPr lang="en-US" smtClean="0"/>
-              <a:t>11/2/2023</a:t>
+              <a:t>11/7/2023</a:t>
             </a:fld>
             <a:endParaRPr lang="en-US"/>
           </a:p>
@@ -5327,7 +5328,7 @@
           <a:p>
             <a:fld id="{F0956EB8-36EC-4825-9C55-E038F184957B}" type="datetimeFigureOut">
               <a:rPr lang="en-US" smtClean="0"/>
-              <a:t>11/2/2023</a:t>
+              <a:t>11/7/2023</a:t>
             </a:fld>
             <a:endParaRPr lang="en-US"/>
           </a:p>
@@ -8903,6 +8904,921 @@
           <p:cNvPr id="3" name="Rectangle 2">
             <a:extLst>
               <a:ext uri="{FF2B5EF4-FFF2-40B4-BE49-F238E27FC236}">
+                <a16:creationId xmlns:a16="http://schemas.microsoft.com/office/drawing/2014/main" id="{1FB04A02-C9DF-16F5-90DE-8AA9E14E1F3E}"/>
+              </a:ext>
+            </a:extLst>
+          </p:cNvPr>
+          <p:cNvSpPr/>
+          <p:nvPr/>
+        </p:nvSpPr>
+        <p:spPr>
+          <a:xfrm>
+            <a:off x="591670" y="0"/>
+            <a:ext cx="8875059" cy="776186"/>
+          </a:xfrm>
+          <a:prstGeom prst="rect">
+            <a:avLst/>
+          </a:prstGeom>
+        </p:spPr>
+        <p:style>
+          <a:lnRef idx="2">
+            <a:schemeClr val="accent1">
+              <a:shade val="15000"/>
+            </a:schemeClr>
+          </a:lnRef>
+          <a:fillRef idx="1">
+            <a:schemeClr val="accent1"/>
+          </a:fillRef>
+          <a:effectRef idx="0">
+            <a:schemeClr val="accent1"/>
+          </a:effectRef>
+          <a:fontRef idx="minor">
+            <a:schemeClr val="lt1"/>
+          </a:fontRef>
+        </p:style>
+        <p:txBody>
+          <a:bodyPr rtlCol="0" anchor="ctr"/>
+          <a:lstStyle/>
+          <a:p>
+            <a:pPr algn="ctr"/>
+            <a:r>
+              <a:rPr lang="en-US" sz="2735" dirty="0">
+                <a:latin typeface="Times New Roman" panose="02020603050405020304" pitchFamily="18" charset="0"/>
+                <a:cs typeface="Times New Roman" panose="02020603050405020304" pitchFamily="18" charset="0"/>
+              </a:rPr>
+              <a:t>Preliminary Setup</a:t>
+            </a:r>
+          </a:p>
+        </p:txBody>
+      </p:sp>
+      <p:sp>
+        <p:nvSpPr>
+          <p:cNvPr id="6" name="Rectangle: Rounded Corners 5">
+            <a:extLst>
+              <a:ext uri="{FF2B5EF4-FFF2-40B4-BE49-F238E27FC236}">
+                <a16:creationId xmlns:a16="http://schemas.microsoft.com/office/drawing/2014/main" id="{1F5C4D74-07CB-758A-BDC1-A499D383FD0E}"/>
+              </a:ext>
+            </a:extLst>
+          </p:cNvPr>
+          <p:cNvSpPr/>
+          <p:nvPr/>
+        </p:nvSpPr>
+        <p:spPr>
+          <a:xfrm>
+            <a:off x="3235690" y="658955"/>
+            <a:ext cx="3407343" cy="449371"/>
+          </a:xfrm>
+          <a:prstGeom prst="roundRect">
+            <a:avLst/>
+          </a:prstGeom>
+          <a:solidFill>
+            <a:schemeClr val="accent4">
+              <a:lumMod val="40000"/>
+              <a:lumOff val="60000"/>
+            </a:schemeClr>
+          </a:solidFill>
+          <a:ln>
+            <a:solidFill>
+              <a:schemeClr val="accent5">
+                <a:lumMod val="75000"/>
+              </a:schemeClr>
+            </a:solidFill>
+          </a:ln>
+        </p:spPr>
+        <p:style>
+          <a:lnRef idx="2">
+            <a:schemeClr val="accent1">
+              <a:shade val="15000"/>
+            </a:schemeClr>
+          </a:lnRef>
+          <a:fillRef idx="1">
+            <a:schemeClr val="accent1"/>
+          </a:fillRef>
+          <a:effectRef idx="0">
+            <a:schemeClr val="accent1"/>
+          </a:effectRef>
+          <a:fontRef idx="minor">
+            <a:schemeClr val="lt1"/>
+          </a:fontRef>
+        </p:style>
+        <p:txBody>
+          <a:bodyPr rtlCol="0" anchor="ctr"/>
+          <a:lstStyle/>
+          <a:p>
+            <a:pPr algn="ctr"/>
+            <a:r>
+              <a:rPr lang="en-US" sz="2382" dirty="0">
+                <a:solidFill>
+                  <a:srgbClr val="002060"/>
+                </a:solidFill>
+                <a:latin typeface="Times New Roman" panose="02020603050405020304" pitchFamily="18" charset="0"/>
+                <a:cs typeface="Times New Roman" panose="02020603050405020304" pitchFamily="18" charset="0"/>
+              </a:rPr>
+              <a:t>Hardware Summary</a:t>
+            </a:r>
+          </a:p>
+        </p:txBody>
+      </p:sp>
+      <p:sp>
+        <p:nvSpPr>
+          <p:cNvPr id="12" name="Rectangle: Rounded Corners 11">
+            <a:extLst>
+              <a:ext uri="{FF2B5EF4-FFF2-40B4-BE49-F238E27FC236}">
+                <a16:creationId xmlns:a16="http://schemas.microsoft.com/office/drawing/2014/main" id="{DED73B04-8643-DA46-B78C-1F3E3178944C}"/>
+              </a:ext>
+            </a:extLst>
+          </p:cNvPr>
+          <p:cNvSpPr/>
+          <p:nvPr/>
+        </p:nvSpPr>
+        <p:spPr>
+          <a:xfrm>
+            <a:off x="3618568" y="937928"/>
+            <a:ext cx="2664742" cy="698273"/>
+          </a:xfrm>
+          <a:prstGeom prst="roundRect">
+            <a:avLst/>
+          </a:prstGeom>
+          <a:solidFill>
+            <a:srgbClr val="00B0F0">
+              <a:alpha val="23137"/>
+            </a:srgbClr>
+          </a:solidFill>
+          <a:ln>
+            <a:noFill/>
+          </a:ln>
+        </p:spPr>
+        <p:style>
+          <a:lnRef idx="2">
+            <a:schemeClr val="accent1">
+              <a:shade val="15000"/>
+            </a:schemeClr>
+          </a:lnRef>
+          <a:fillRef idx="1">
+            <a:schemeClr val="accent1"/>
+          </a:fillRef>
+          <a:effectRef idx="0">
+            <a:schemeClr val="accent1"/>
+          </a:effectRef>
+          <a:fontRef idx="minor">
+            <a:schemeClr val="lt1"/>
+          </a:fontRef>
+        </p:style>
+        <p:txBody>
+          <a:bodyPr rtlCol="0" anchor="ctr"/>
+          <a:lstStyle/>
+          <a:p>
+            <a:pPr algn="ctr"/>
+            <a:r>
+              <a:rPr lang="en-US" sz="1900" dirty="0">
+                <a:solidFill>
+                  <a:schemeClr val="accent1">
+                    <a:lumMod val="60000"/>
+                    <a:lumOff val="40000"/>
+                  </a:schemeClr>
+                </a:solidFill>
+                <a:latin typeface="Times New Roman" panose="02020603050405020304" pitchFamily="18" charset="0"/>
+                <a:cs typeface="Times New Roman" panose="02020603050405020304" pitchFamily="18" charset="0"/>
+              </a:rPr>
+              <a:t>JOYSTICK</a:t>
+            </a:r>
+          </a:p>
+        </p:txBody>
+      </p:sp>
+      <p:pic>
+        <p:nvPicPr>
+          <p:cNvPr id="16" name="Picture 15">
+            <a:extLst>
+              <a:ext uri="{FF2B5EF4-FFF2-40B4-BE49-F238E27FC236}">
+                <a16:creationId xmlns:a16="http://schemas.microsoft.com/office/drawing/2014/main" id="{0AEB69C6-8BEF-CF2B-82AE-6A6B60CB6541}"/>
+              </a:ext>
+            </a:extLst>
+          </p:cNvPr>
+          <p:cNvPicPr>
+            <a:picLocks noChangeAspect="1"/>
+          </p:cNvPicPr>
+          <p:nvPr/>
+        </p:nvPicPr>
+        <p:blipFill>
+          <a:blip r:embed="rId2"/>
+          <a:stretch>
+            <a:fillRect/>
+          </a:stretch>
+        </p:blipFill>
+        <p:spPr>
+          <a:xfrm>
+            <a:off x="2690288" y="2099419"/>
+            <a:ext cx="4677824" cy="3291487"/>
+          </a:xfrm>
+          <a:prstGeom prst="rect">
+            <a:avLst/>
+          </a:prstGeom>
+        </p:spPr>
+      </p:pic>
+      <p:cxnSp>
+        <p:nvCxnSpPr>
+          <p:cNvPr id="29" name="Connector: Elbow 28">
+            <a:extLst>
+              <a:ext uri="{FF2B5EF4-FFF2-40B4-BE49-F238E27FC236}">
+                <a16:creationId xmlns:a16="http://schemas.microsoft.com/office/drawing/2014/main" id="{8673300D-6E94-2F5F-E0DA-049B430B3F22}"/>
+              </a:ext>
+            </a:extLst>
+          </p:cNvPr>
+          <p:cNvCxnSpPr/>
+          <p:nvPr/>
+        </p:nvCxnSpPr>
+        <p:spPr>
+          <a:xfrm rot="10800000" flipV="1">
+            <a:off x="1413933" y="4533413"/>
+            <a:ext cx="2794000" cy="558800"/>
+          </a:xfrm>
+          <a:prstGeom prst="bentConnector3">
+            <a:avLst>
+              <a:gd name="adj1" fmla="val 48788"/>
+            </a:avLst>
+          </a:prstGeom>
+          <a:ln w="28575">
+            <a:solidFill>
+              <a:srgbClr val="00B050"/>
+            </a:solidFill>
+            <a:headEnd type="triangle"/>
+            <a:tailEnd type="triangle"/>
+          </a:ln>
+        </p:spPr>
+        <p:style>
+          <a:lnRef idx="1">
+            <a:schemeClr val="accent1"/>
+          </a:lnRef>
+          <a:fillRef idx="0">
+            <a:schemeClr val="accent1"/>
+          </a:fillRef>
+          <a:effectRef idx="0">
+            <a:schemeClr val="accent1"/>
+          </a:effectRef>
+          <a:fontRef idx="minor">
+            <a:schemeClr val="tx1"/>
+          </a:fontRef>
+        </p:style>
+      </p:cxnSp>
+      <p:grpSp>
+        <p:nvGrpSpPr>
+          <p:cNvPr id="71" name="Group 70">
+            <a:extLst>
+              <a:ext uri="{FF2B5EF4-FFF2-40B4-BE49-F238E27FC236}">
+                <a16:creationId xmlns:a16="http://schemas.microsoft.com/office/drawing/2014/main" id="{71C4E7EB-6953-AC05-AB22-B0C335DE6B93}"/>
+              </a:ext>
+            </a:extLst>
+          </p:cNvPr>
+          <p:cNvGrpSpPr/>
+          <p:nvPr/>
+        </p:nvGrpSpPr>
+        <p:grpSpPr>
+          <a:xfrm>
+            <a:off x="2448560" y="4350619"/>
+            <a:ext cx="2912712" cy="2059806"/>
+            <a:chOff x="2448560" y="4350619"/>
+            <a:chExt cx="2912712" cy="2059806"/>
+          </a:xfrm>
+        </p:grpSpPr>
+        <p:cxnSp>
+          <p:nvCxnSpPr>
+            <p:cNvPr id="21" name="Straight Connector 20">
+              <a:extLst>
+                <a:ext uri="{FF2B5EF4-FFF2-40B4-BE49-F238E27FC236}">
+                  <a16:creationId xmlns:a16="http://schemas.microsoft.com/office/drawing/2014/main" id="{7D0081AF-CE57-D11B-D545-5224EDE8E9A3}"/>
+                </a:ext>
+              </a:extLst>
+            </p:cNvPr>
+            <p:cNvCxnSpPr/>
+            <p:nvPr/>
+          </p:nvCxnSpPr>
+          <p:spPr>
+            <a:xfrm>
+              <a:off x="5361272" y="4735629"/>
+              <a:ext cx="0" cy="1674796"/>
+            </a:xfrm>
+            <a:prstGeom prst="line">
+              <a:avLst/>
+            </a:prstGeom>
+            <a:ln w="28575">
+              <a:solidFill>
+                <a:schemeClr val="tx1"/>
+              </a:solidFill>
+            </a:ln>
+          </p:spPr>
+          <p:style>
+            <a:lnRef idx="1">
+              <a:schemeClr val="accent1"/>
+            </a:lnRef>
+            <a:fillRef idx="0">
+              <a:schemeClr val="accent1"/>
+            </a:fillRef>
+            <a:effectRef idx="0">
+              <a:schemeClr val="accent1"/>
+            </a:effectRef>
+            <a:fontRef idx="minor">
+              <a:schemeClr val="tx1"/>
+            </a:fontRef>
+          </p:style>
+        </p:cxnSp>
+        <p:cxnSp>
+          <p:nvCxnSpPr>
+            <p:cNvPr id="23" name="Straight Connector 22">
+              <a:extLst>
+                <a:ext uri="{FF2B5EF4-FFF2-40B4-BE49-F238E27FC236}">
+                  <a16:creationId xmlns:a16="http://schemas.microsoft.com/office/drawing/2014/main" id="{0B4B1E20-8E51-6A81-563D-F16D188C6B06}"/>
+                </a:ext>
+              </a:extLst>
+            </p:cNvPr>
+            <p:cNvCxnSpPr>
+              <a:cxnSpLocks/>
+            </p:cNvCxnSpPr>
+            <p:nvPr/>
+          </p:nvCxnSpPr>
+          <p:spPr>
+            <a:xfrm flipH="1">
+              <a:off x="3917482" y="6410425"/>
+              <a:ext cx="1443790" cy="0"/>
+            </a:xfrm>
+            <a:prstGeom prst="line">
+              <a:avLst/>
+            </a:prstGeom>
+            <a:ln w="28575">
+              <a:solidFill>
+                <a:schemeClr val="tx1"/>
+              </a:solidFill>
+            </a:ln>
+          </p:spPr>
+          <p:style>
+            <a:lnRef idx="1">
+              <a:schemeClr val="accent1"/>
+            </a:lnRef>
+            <a:fillRef idx="0">
+              <a:schemeClr val="accent1"/>
+            </a:fillRef>
+            <a:effectRef idx="0">
+              <a:schemeClr val="accent1"/>
+            </a:effectRef>
+            <a:fontRef idx="minor">
+              <a:schemeClr val="tx1"/>
+            </a:fontRef>
+          </p:style>
+        </p:cxnSp>
+        <p:cxnSp>
+          <p:nvCxnSpPr>
+            <p:cNvPr id="25" name="Straight Connector 24">
+              <a:extLst>
+                <a:ext uri="{FF2B5EF4-FFF2-40B4-BE49-F238E27FC236}">
+                  <a16:creationId xmlns:a16="http://schemas.microsoft.com/office/drawing/2014/main" id="{B4F46DED-142F-09D5-21E1-9DD59655E381}"/>
+                </a:ext>
+              </a:extLst>
+            </p:cNvPr>
+            <p:cNvCxnSpPr/>
+            <p:nvPr/>
+          </p:nvCxnSpPr>
+          <p:spPr>
+            <a:xfrm>
+              <a:off x="3917482" y="4350619"/>
+              <a:ext cx="0" cy="2059806"/>
+            </a:xfrm>
+            <a:prstGeom prst="line">
+              <a:avLst/>
+            </a:prstGeom>
+            <a:ln w="28575">
+              <a:solidFill>
+                <a:schemeClr val="tx1"/>
+              </a:solidFill>
+            </a:ln>
+          </p:spPr>
+          <p:style>
+            <a:lnRef idx="1">
+              <a:schemeClr val="accent1"/>
+            </a:lnRef>
+            <a:fillRef idx="0">
+              <a:schemeClr val="accent1"/>
+            </a:fillRef>
+            <a:effectRef idx="0">
+              <a:schemeClr val="accent1"/>
+            </a:effectRef>
+            <a:fontRef idx="minor">
+              <a:schemeClr val="tx1"/>
+            </a:fontRef>
+          </p:style>
+        </p:cxnSp>
+        <p:cxnSp>
+          <p:nvCxnSpPr>
+            <p:cNvPr id="66" name="Straight Arrow Connector 65">
+              <a:extLst>
+                <a:ext uri="{FF2B5EF4-FFF2-40B4-BE49-F238E27FC236}">
+                  <a16:creationId xmlns:a16="http://schemas.microsoft.com/office/drawing/2014/main" id="{B1658776-4F62-0201-9ED0-9FEA2F535E9E}"/>
+                </a:ext>
+              </a:extLst>
+            </p:cNvPr>
+            <p:cNvCxnSpPr/>
+            <p:nvPr/>
+          </p:nvCxnSpPr>
+          <p:spPr>
+            <a:xfrm flipH="1">
+              <a:off x="2448560" y="6410425"/>
+              <a:ext cx="1468922" cy="0"/>
+            </a:xfrm>
+            <a:prstGeom prst="straightConnector1">
+              <a:avLst/>
+            </a:prstGeom>
+            <a:ln w="28575">
+              <a:solidFill>
+                <a:schemeClr val="tx1"/>
+              </a:solidFill>
+              <a:tailEnd type="triangle"/>
+            </a:ln>
+          </p:spPr>
+          <p:style>
+            <a:lnRef idx="1">
+              <a:schemeClr val="accent1"/>
+            </a:lnRef>
+            <a:fillRef idx="0">
+              <a:schemeClr val="accent1"/>
+            </a:fillRef>
+            <a:effectRef idx="0">
+              <a:schemeClr val="accent1"/>
+            </a:effectRef>
+            <a:fontRef idx="minor">
+              <a:schemeClr val="tx1"/>
+            </a:fontRef>
+          </p:style>
+        </p:cxnSp>
+      </p:grpSp>
+      <p:cxnSp>
+        <p:nvCxnSpPr>
+          <p:cNvPr id="68" name="Connector: Elbow 67">
+            <a:extLst>
+              <a:ext uri="{FF2B5EF4-FFF2-40B4-BE49-F238E27FC236}">
+                <a16:creationId xmlns:a16="http://schemas.microsoft.com/office/drawing/2014/main" id="{78D722E0-095F-6635-F0DD-CB2B18A195C5}"/>
+              </a:ext>
+            </a:extLst>
+          </p:cNvPr>
+          <p:cNvCxnSpPr/>
+          <p:nvPr/>
+        </p:nvCxnSpPr>
+        <p:spPr>
+          <a:xfrm>
+            <a:off x="5519866" y="4595106"/>
+            <a:ext cx="2174240" cy="870373"/>
+          </a:xfrm>
+          <a:prstGeom prst="bentConnector3">
+            <a:avLst/>
+          </a:prstGeom>
+          <a:ln w="28575">
+            <a:headEnd type="triangle"/>
+            <a:tailEnd type="triangle"/>
+          </a:ln>
+        </p:spPr>
+        <p:style>
+          <a:lnRef idx="1">
+            <a:schemeClr val="accent1"/>
+          </a:lnRef>
+          <a:fillRef idx="0">
+            <a:schemeClr val="accent1"/>
+          </a:fillRef>
+          <a:effectRef idx="0">
+            <a:schemeClr val="accent1"/>
+          </a:effectRef>
+          <a:fontRef idx="minor">
+            <a:schemeClr val="tx1"/>
+          </a:fontRef>
+        </p:style>
+      </p:cxnSp>
+      <p:grpSp>
+        <p:nvGrpSpPr>
+          <p:cNvPr id="72" name="Group 71">
+            <a:extLst>
+              <a:ext uri="{FF2B5EF4-FFF2-40B4-BE49-F238E27FC236}">
+                <a16:creationId xmlns:a16="http://schemas.microsoft.com/office/drawing/2014/main" id="{65FAA151-3DBC-807F-4271-BDC3F210EE60}"/>
+              </a:ext>
+            </a:extLst>
+          </p:cNvPr>
+          <p:cNvGrpSpPr/>
+          <p:nvPr/>
+        </p:nvGrpSpPr>
+        <p:grpSpPr>
+          <a:xfrm>
+            <a:off x="4343400" y="4533413"/>
+            <a:ext cx="2565400" cy="1308587"/>
+            <a:chOff x="4343400" y="4533413"/>
+            <a:chExt cx="2565400" cy="1308587"/>
+          </a:xfrm>
+        </p:grpSpPr>
+        <p:cxnSp>
+          <p:nvCxnSpPr>
+            <p:cNvPr id="57" name="Straight Connector 56">
+              <a:extLst>
+                <a:ext uri="{FF2B5EF4-FFF2-40B4-BE49-F238E27FC236}">
+                  <a16:creationId xmlns:a16="http://schemas.microsoft.com/office/drawing/2014/main" id="{0167B891-B6E4-B4CC-17D8-7C816309B969}"/>
+                </a:ext>
+              </a:extLst>
+            </p:cNvPr>
+            <p:cNvCxnSpPr/>
+            <p:nvPr/>
+          </p:nvCxnSpPr>
+          <p:spPr>
+            <a:xfrm>
+              <a:off x="4343400" y="4656667"/>
+              <a:ext cx="0" cy="1185333"/>
+            </a:xfrm>
+            <a:prstGeom prst="line">
+              <a:avLst/>
+            </a:prstGeom>
+            <a:ln w="28575">
+              <a:solidFill>
+                <a:srgbClr val="FF0000"/>
+              </a:solidFill>
+            </a:ln>
+          </p:spPr>
+          <p:style>
+            <a:lnRef idx="1">
+              <a:schemeClr val="accent1"/>
+            </a:lnRef>
+            <a:fillRef idx="0">
+              <a:schemeClr val="accent1"/>
+            </a:fillRef>
+            <a:effectRef idx="0">
+              <a:schemeClr val="accent1"/>
+            </a:effectRef>
+            <a:fontRef idx="minor">
+              <a:schemeClr val="tx1"/>
+            </a:fontRef>
+          </p:style>
+        </p:cxnSp>
+        <p:cxnSp>
+          <p:nvCxnSpPr>
+            <p:cNvPr id="59" name="Straight Connector 58">
+              <a:extLst>
+                <a:ext uri="{FF2B5EF4-FFF2-40B4-BE49-F238E27FC236}">
+                  <a16:creationId xmlns:a16="http://schemas.microsoft.com/office/drawing/2014/main" id="{5DB0A2E1-0B32-5AA4-F471-7E728374B6BF}"/>
+                </a:ext>
+              </a:extLst>
+            </p:cNvPr>
+            <p:cNvCxnSpPr>
+              <a:cxnSpLocks/>
+            </p:cNvCxnSpPr>
+            <p:nvPr/>
+          </p:nvCxnSpPr>
+          <p:spPr>
+            <a:xfrm>
+              <a:off x="4343400" y="5842000"/>
+              <a:ext cx="1371600" cy="0"/>
+            </a:xfrm>
+            <a:prstGeom prst="line">
+              <a:avLst/>
+            </a:prstGeom>
+            <a:ln w="28575">
+              <a:solidFill>
+                <a:srgbClr val="FF0000"/>
+              </a:solidFill>
+            </a:ln>
+          </p:spPr>
+          <p:style>
+            <a:lnRef idx="1">
+              <a:schemeClr val="accent1"/>
+            </a:lnRef>
+            <a:fillRef idx="0">
+              <a:schemeClr val="accent1"/>
+            </a:fillRef>
+            <a:effectRef idx="0">
+              <a:schemeClr val="accent1"/>
+            </a:effectRef>
+            <a:fontRef idx="minor">
+              <a:schemeClr val="tx1"/>
+            </a:fontRef>
+          </p:style>
+        </p:cxnSp>
+        <p:cxnSp>
+          <p:nvCxnSpPr>
+            <p:cNvPr id="61" name="Straight Connector 60">
+              <a:extLst>
+                <a:ext uri="{FF2B5EF4-FFF2-40B4-BE49-F238E27FC236}">
+                  <a16:creationId xmlns:a16="http://schemas.microsoft.com/office/drawing/2014/main" id="{2EC75E4A-571D-0B28-EA0D-B3CB6B5E8395}"/>
+                </a:ext>
+              </a:extLst>
+            </p:cNvPr>
+            <p:cNvCxnSpPr/>
+            <p:nvPr/>
+          </p:nvCxnSpPr>
+          <p:spPr>
+            <a:xfrm>
+              <a:off x="5715000" y="4533413"/>
+              <a:ext cx="0" cy="1308587"/>
+            </a:xfrm>
+            <a:prstGeom prst="line">
+              <a:avLst/>
+            </a:prstGeom>
+            <a:ln w="28575">
+              <a:solidFill>
+                <a:srgbClr val="FF0000"/>
+              </a:solidFill>
+            </a:ln>
+          </p:spPr>
+          <p:style>
+            <a:lnRef idx="1">
+              <a:schemeClr val="accent1"/>
+            </a:lnRef>
+            <a:fillRef idx="0">
+              <a:schemeClr val="accent1"/>
+            </a:fillRef>
+            <a:effectRef idx="0">
+              <a:schemeClr val="accent1"/>
+            </a:effectRef>
+            <a:fontRef idx="minor">
+              <a:schemeClr val="tx1"/>
+            </a:fontRef>
+          </p:style>
+        </p:cxnSp>
+        <p:cxnSp>
+          <p:nvCxnSpPr>
+            <p:cNvPr id="70" name="Straight Arrow Connector 69">
+              <a:extLst>
+                <a:ext uri="{FF2B5EF4-FFF2-40B4-BE49-F238E27FC236}">
+                  <a16:creationId xmlns:a16="http://schemas.microsoft.com/office/drawing/2014/main" id="{8C7C683E-3EE5-6982-C11A-C7F7A9B35DE9}"/>
+                </a:ext>
+              </a:extLst>
+            </p:cNvPr>
+            <p:cNvCxnSpPr/>
+            <p:nvPr/>
+          </p:nvCxnSpPr>
+          <p:spPr>
+            <a:xfrm>
+              <a:off x="5715000" y="5842000"/>
+              <a:ext cx="1193800" cy="0"/>
+            </a:xfrm>
+            <a:prstGeom prst="straightConnector1">
+              <a:avLst/>
+            </a:prstGeom>
+            <a:ln w="28575">
+              <a:solidFill>
+                <a:srgbClr val="FF0000"/>
+              </a:solidFill>
+              <a:tailEnd type="triangle"/>
+            </a:ln>
+          </p:spPr>
+          <p:style>
+            <a:lnRef idx="1">
+              <a:schemeClr val="accent1"/>
+            </a:lnRef>
+            <a:fillRef idx="0">
+              <a:schemeClr val="accent1"/>
+            </a:fillRef>
+            <a:effectRef idx="0">
+              <a:schemeClr val="accent1"/>
+            </a:effectRef>
+            <a:fontRef idx="minor">
+              <a:schemeClr val="tx1"/>
+            </a:fontRef>
+          </p:style>
+        </p:cxnSp>
+      </p:grpSp>
+      <p:sp>
+        <p:nvSpPr>
+          <p:cNvPr id="73" name="Rectangle: Rounded Corners 72">
+            <a:extLst>
+              <a:ext uri="{FF2B5EF4-FFF2-40B4-BE49-F238E27FC236}">
+                <a16:creationId xmlns:a16="http://schemas.microsoft.com/office/drawing/2014/main" id="{F7E48BD5-40C6-972E-9AEF-A39206F1BE09}"/>
+              </a:ext>
+            </a:extLst>
+          </p:cNvPr>
+          <p:cNvSpPr/>
+          <p:nvPr/>
+        </p:nvSpPr>
+        <p:spPr>
+          <a:xfrm>
+            <a:off x="828430" y="4899473"/>
+            <a:ext cx="463550" cy="385481"/>
+          </a:xfrm>
+          <a:prstGeom prst="roundRect">
+            <a:avLst/>
+          </a:prstGeom>
+        </p:spPr>
+        <p:style>
+          <a:lnRef idx="2">
+            <a:schemeClr val="accent1">
+              <a:shade val="15000"/>
+            </a:schemeClr>
+          </a:lnRef>
+          <a:fillRef idx="1">
+            <a:schemeClr val="accent1"/>
+          </a:fillRef>
+          <a:effectRef idx="0">
+            <a:schemeClr val="accent1"/>
+          </a:effectRef>
+          <a:fontRef idx="minor">
+            <a:schemeClr val="lt1"/>
+          </a:fontRef>
+        </p:style>
+        <p:txBody>
+          <a:bodyPr rtlCol="0" anchor="ctr"/>
+          <a:lstStyle/>
+          <a:p>
+            <a:pPr algn="ctr"/>
+            <a:r>
+              <a:rPr lang="en-US" dirty="0"/>
+              <a:t>X</a:t>
+            </a:r>
+          </a:p>
+        </p:txBody>
+      </p:sp>
+      <p:sp>
+        <p:nvSpPr>
+          <p:cNvPr id="74" name="Rectangle: Rounded Corners 73">
+            <a:extLst>
+              <a:ext uri="{FF2B5EF4-FFF2-40B4-BE49-F238E27FC236}">
+                <a16:creationId xmlns:a16="http://schemas.microsoft.com/office/drawing/2014/main" id="{2F552FD5-820C-62D4-6D72-48EEA1E6DAE3}"/>
+              </a:ext>
+            </a:extLst>
+          </p:cNvPr>
+          <p:cNvSpPr/>
+          <p:nvPr/>
+        </p:nvSpPr>
+        <p:spPr>
+          <a:xfrm>
+            <a:off x="7886471" y="5272738"/>
+            <a:ext cx="463550" cy="385481"/>
+          </a:xfrm>
+          <a:prstGeom prst="roundRect">
+            <a:avLst/>
+          </a:prstGeom>
+        </p:spPr>
+        <p:style>
+          <a:lnRef idx="2">
+            <a:schemeClr val="accent1">
+              <a:shade val="15000"/>
+            </a:schemeClr>
+          </a:lnRef>
+          <a:fillRef idx="1">
+            <a:schemeClr val="accent1"/>
+          </a:fillRef>
+          <a:effectRef idx="0">
+            <a:schemeClr val="accent1"/>
+          </a:effectRef>
+          <a:fontRef idx="minor">
+            <a:schemeClr val="lt1"/>
+          </a:fontRef>
+        </p:style>
+        <p:txBody>
+          <a:bodyPr rtlCol="0" anchor="ctr"/>
+          <a:lstStyle/>
+          <a:p>
+            <a:pPr algn="ctr"/>
+            <a:r>
+              <a:rPr lang="en-US" dirty="0"/>
+              <a:t>Y</a:t>
+            </a:r>
+          </a:p>
+        </p:txBody>
+      </p:sp>
+      <p:sp>
+        <p:nvSpPr>
+          <p:cNvPr id="76" name="Rectangle: Rounded Corners 75">
+            <a:extLst>
+              <a:ext uri="{FF2B5EF4-FFF2-40B4-BE49-F238E27FC236}">
+                <a16:creationId xmlns:a16="http://schemas.microsoft.com/office/drawing/2014/main" id="{469A8B07-B0AB-0879-0876-971BDAF7D83C}"/>
+              </a:ext>
+            </a:extLst>
+          </p:cNvPr>
+          <p:cNvSpPr/>
+          <p:nvPr/>
+        </p:nvSpPr>
+        <p:spPr>
+          <a:xfrm>
+            <a:off x="1643909" y="6217684"/>
+            <a:ext cx="757467" cy="385481"/>
+          </a:xfrm>
+          <a:prstGeom prst="roundRect">
+            <a:avLst/>
+          </a:prstGeom>
+          <a:solidFill>
+            <a:schemeClr val="accent2">
+              <a:lumMod val="40000"/>
+              <a:lumOff val="60000"/>
+            </a:schemeClr>
+          </a:solidFill>
+        </p:spPr>
+        <p:style>
+          <a:lnRef idx="2">
+            <a:schemeClr val="accent1">
+              <a:shade val="15000"/>
+            </a:schemeClr>
+          </a:lnRef>
+          <a:fillRef idx="1">
+            <a:schemeClr val="accent1"/>
+          </a:fillRef>
+          <a:effectRef idx="0">
+            <a:schemeClr val="accent1"/>
+          </a:effectRef>
+          <a:fontRef idx="minor">
+            <a:schemeClr val="lt1"/>
+          </a:fontRef>
+        </p:style>
+        <p:txBody>
+          <a:bodyPr rtlCol="0" anchor="ctr"/>
+          <a:lstStyle/>
+          <a:p>
+            <a:pPr algn="ctr"/>
+            <a:r>
+              <a:rPr lang="en-US" dirty="0"/>
+              <a:t>GND</a:t>
+            </a:r>
+          </a:p>
+        </p:txBody>
+      </p:sp>
+      <p:sp>
+        <p:nvSpPr>
+          <p:cNvPr id="77" name="Rectangle: Rounded Corners 76">
+            <a:extLst>
+              <a:ext uri="{FF2B5EF4-FFF2-40B4-BE49-F238E27FC236}">
+                <a16:creationId xmlns:a16="http://schemas.microsoft.com/office/drawing/2014/main" id="{57615E9B-4B73-752A-9BA0-6240D8667937}"/>
+              </a:ext>
+            </a:extLst>
+          </p:cNvPr>
+          <p:cNvSpPr/>
+          <p:nvPr/>
+        </p:nvSpPr>
+        <p:spPr>
+          <a:xfrm>
+            <a:off x="7032821" y="5658219"/>
+            <a:ext cx="757467" cy="385481"/>
+          </a:xfrm>
+          <a:prstGeom prst="roundRect">
+            <a:avLst/>
+          </a:prstGeom>
+          <a:solidFill>
+            <a:schemeClr val="accent2">
+              <a:lumMod val="40000"/>
+              <a:lumOff val="60000"/>
+            </a:schemeClr>
+          </a:solidFill>
+        </p:spPr>
+        <p:style>
+          <a:lnRef idx="2">
+            <a:schemeClr val="accent1">
+              <a:shade val="15000"/>
+            </a:schemeClr>
+          </a:lnRef>
+          <a:fillRef idx="1">
+            <a:schemeClr val="accent1"/>
+          </a:fillRef>
+          <a:effectRef idx="0">
+            <a:schemeClr val="accent1"/>
+          </a:effectRef>
+          <a:fontRef idx="minor">
+            <a:schemeClr val="lt1"/>
+          </a:fontRef>
+        </p:style>
+        <p:txBody>
+          <a:bodyPr rtlCol="0" anchor="ctr"/>
+          <a:lstStyle/>
+          <a:p>
+            <a:pPr algn="ctr"/>
+            <a:r>
+              <a:rPr lang="en-US" dirty="0"/>
+              <a:t>VCC</a:t>
+            </a:r>
+          </a:p>
+        </p:txBody>
+      </p:sp>
+    </p:spTree>
+    <p:extLst>
+      <p:ext uri="{BB962C8B-B14F-4D97-AF65-F5344CB8AC3E}">
+        <p14:creationId xmlns:p14="http://schemas.microsoft.com/office/powerpoint/2010/main" val="70129542"/>
+      </p:ext>
+    </p:extLst>
+  </p:cSld>
+  <p:clrMapOvr>
+    <a:masterClrMapping/>
+  </p:clrMapOvr>
+</p:sld>
+</file>
+
+<file path=ppt/slides/slide4.xml><?xml version="1.0" encoding="utf-8"?>
+<p:sld xmlns:a="http://schemas.openxmlformats.org/drawingml/2006/main" xmlns:r="http://schemas.openxmlformats.org/officeDocument/2006/relationships" xmlns:p="http://schemas.openxmlformats.org/presentationml/2006/main">
+  <p:cSld>
+    <p:spTree>
+      <p:nvGrpSpPr>
+        <p:cNvPr id="1" name=""/>
+        <p:cNvGrpSpPr/>
+        <p:nvPr/>
+      </p:nvGrpSpPr>
+      <p:grpSpPr>
+        <a:xfrm>
+          <a:off x="0" y="0"/>
+          <a:ext cx="0" cy="0"/>
+          <a:chOff x="0" y="0"/>
+          <a:chExt cx="0" cy="0"/>
+        </a:xfrm>
+      </p:grpSpPr>
+      <p:sp>
+        <p:nvSpPr>
+          <p:cNvPr id="3" name="Rectangle 2">
+            <a:extLst>
+              <a:ext uri="{FF2B5EF4-FFF2-40B4-BE49-F238E27FC236}">
                 <a16:creationId xmlns:a16="http://schemas.microsoft.com/office/drawing/2014/main" id="{3C36DB64-8E88-8C7E-E264-77572709C8F3}"/>
               </a:ext>
             </a:extLst>
@@ -9169,13 +10085,15 @@
                 </a:ext>
               </a:extLst>
             </p:cNvPr>
-            <p:cNvCxnSpPr/>
+            <p:cNvCxnSpPr>
+              <a:cxnSpLocks/>
+            </p:cNvCxnSpPr>
             <p:nvPr/>
           </p:nvCxnSpPr>
           <p:spPr>
-            <a:xfrm rot="5400000">
-              <a:off x="7544920" y="1569297"/>
-              <a:ext cx="2044700" cy="1727200"/>
+            <a:xfrm>
+              <a:off x="6613061" y="2893808"/>
+              <a:ext cx="1090609" cy="561439"/>
             </a:xfrm>
             <a:prstGeom prst="curvedConnector3">
               <a:avLst/>
@@ -9211,13 +10129,15 @@
                 </a:ext>
               </a:extLst>
             </p:cNvPr>
-            <p:cNvCxnSpPr/>
+            <p:cNvCxnSpPr>
+              <a:cxnSpLocks/>
+            </p:cNvCxnSpPr>
             <p:nvPr/>
           </p:nvCxnSpPr>
           <p:spPr>
-            <a:xfrm rot="5400000">
-              <a:off x="5954245" y="3204422"/>
-              <a:ext cx="4787900" cy="1200150"/>
+            <a:xfrm rot="16200000" flipH="1">
+              <a:off x="5704406" y="4154731"/>
+              <a:ext cx="3304639" cy="782791"/>
             </a:xfrm>
             <a:prstGeom prst="curvedConnector3">
               <a:avLst/>
@@ -9260,8 +10180,8 @@
           </p:nvCxnSpPr>
           <p:spPr>
             <a:xfrm rot="10800000" flipV="1">
-              <a:off x="2388721" y="1689947"/>
-              <a:ext cx="6616699" cy="2616200"/>
+              <a:off x="2388724" y="953000"/>
+              <a:ext cx="5513776" cy="3353144"/>
             </a:xfrm>
             <a:prstGeom prst="curvedConnector3">
               <a:avLst>
@@ -9302,17 +10222,19 @@
                 </a:ext>
               </a:extLst>
             </p:cNvPr>
-            <p:cNvCxnSpPr/>
+            <p:cNvCxnSpPr>
+              <a:cxnSpLocks/>
+            </p:cNvCxnSpPr>
             <p:nvPr/>
           </p:nvCxnSpPr>
           <p:spPr>
             <a:xfrm rot="10800000" flipV="1">
-              <a:off x="2236321" y="1759795"/>
-              <a:ext cx="7086671" cy="2546351"/>
+              <a:off x="2236322" y="1303982"/>
+              <a:ext cx="5683839" cy="3002163"/>
             </a:xfrm>
             <a:prstGeom prst="curvedConnector3">
               <a:avLst>
-                <a:gd name="adj1" fmla="val 93190"/>
+                <a:gd name="adj1" fmla="val 50000"/>
               </a:avLst>
             </a:prstGeom>
             <a:ln w="38100">
@@ -9346,17 +10268,19 @@
                 </a:ext>
               </a:extLst>
             </p:cNvPr>
-            <p:cNvCxnSpPr/>
+            <p:cNvCxnSpPr>
+              <a:cxnSpLocks/>
+            </p:cNvCxnSpPr>
             <p:nvPr/>
           </p:nvCxnSpPr>
           <p:spPr>
             <a:xfrm rot="10800000" flipV="1">
-              <a:off x="1461620" y="2109047"/>
-              <a:ext cx="7543800" cy="3206750"/>
+              <a:off x="1461622" y="1689946"/>
+              <a:ext cx="6440877" cy="3625852"/>
             </a:xfrm>
             <a:prstGeom prst="curvedConnector3">
               <a:avLst>
-                <a:gd name="adj1" fmla="val 74832"/>
+                <a:gd name="adj1" fmla="val 50000"/>
               </a:avLst>
             </a:prstGeom>
             <a:ln w="38100">
@@ -9387,17 +10311,19 @@
                 </a:ext>
               </a:extLst>
             </p:cNvPr>
-            <p:cNvCxnSpPr/>
+            <p:cNvCxnSpPr>
+              <a:cxnSpLocks/>
+            </p:cNvCxnSpPr>
             <p:nvPr/>
           </p:nvCxnSpPr>
           <p:spPr>
             <a:xfrm rot="10800000" flipV="1">
-              <a:off x="1690221" y="2166196"/>
-              <a:ext cx="7632771" cy="2139949"/>
+              <a:off x="1690221" y="2041054"/>
+              <a:ext cx="6212278" cy="2265090"/>
             </a:xfrm>
             <a:prstGeom prst="curvedConnector3">
               <a:avLst>
-                <a:gd name="adj1" fmla="val 61065"/>
+                <a:gd name="adj1" fmla="val 50000"/>
               </a:avLst>
             </a:prstGeom>
             <a:ln w="38100">
@@ -9428,17 +10354,19 @@
                 </a:ext>
               </a:extLst>
             </p:cNvPr>
-            <p:cNvCxnSpPr/>
+            <p:cNvCxnSpPr>
+              <a:cxnSpLocks/>
+            </p:cNvCxnSpPr>
             <p:nvPr/>
           </p:nvCxnSpPr>
           <p:spPr>
             <a:xfrm rot="10800000" flipV="1">
-              <a:off x="1461620" y="2477347"/>
-              <a:ext cx="7543800" cy="1828798"/>
+              <a:off x="1461622" y="2401957"/>
+              <a:ext cx="6819733" cy="1904187"/>
             </a:xfrm>
             <a:prstGeom prst="curvedConnector3">
               <a:avLst>
-                <a:gd name="adj1" fmla="val 66751"/>
+                <a:gd name="adj1" fmla="val 50000"/>
               </a:avLst>
             </a:prstGeom>
             <a:ln w="38100">
@@ -9691,7 +10619,7 @@
 </p:sld>
 </file>
 
-<file path=ppt/slides/slide4.xml><?xml version="1.0" encoding="utf-8"?>
+<file path=ppt/slides/slide5.xml><?xml version="1.0" encoding="utf-8"?>
 <p:sld xmlns:a="http://schemas.openxmlformats.org/drawingml/2006/main" xmlns:r="http://schemas.openxmlformats.org/officeDocument/2006/relationships" xmlns:p="http://schemas.openxmlformats.org/presentationml/2006/main">
   <p:cSld>
     <p:spTree>
@@ -10112,13 +11040,15 @@
                   </a:ext>
                 </a:extLst>
               </p:cNvPr>
-              <p:cNvCxnSpPr/>
+              <p:cNvCxnSpPr>
+                <a:cxnSpLocks/>
+              </p:cNvCxnSpPr>
               <p:nvPr/>
             </p:nvCxnSpPr>
             <p:spPr>
-              <a:xfrm rot="5400000">
-                <a:off x="8020050" y="1651000"/>
-                <a:ext cx="2044700" cy="1727200"/>
+              <a:xfrm>
+                <a:off x="7082227" y="3029108"/>
+                <a:ext cx="1096573" cy="507842"/>
               </a:xfrm>
               <a:prstGeom prst="curvedConnector3">
                 <a:avLst/>
@@ -10154,13 +11084,15 @@
                   </a:ext>
                 </a:extLst>
               </p:cNvPr>
-              <p:cNvCxnSpPr/>
+              <p:cNvCxnSpPr>
+                <a:cxnSpLocks/>
+              </p:cNvCxnSpPr>
               <p:nvPr/>
             </p:nvCxnSpPr>
             <p:spPr>
-              <a:xfrm rot="5400000">
-                <a:off x="6429375" y="3286125"/>
-                <a:ext cx="4787900" cy="1200150"/>
+              <a:xfrm rot="16200000" flipH="1">
+                <a:off x="6205606" y="4262504"/>
+                <a:ext cx="3251041" cy="784249"/>
               </a:xfrm>
               <a:prstGeom prst="curvedConnector3">
                 <a:avLst/>
@@ -10203,8 +11135,8 @@
             </p:nvCxnSpPr>
             <p:spPr>
               <a:xfrm rot="10800000" flipV="1">
-                <a:off x="2863851" y="1771650"/>
-                <a:ext cx="6616699" cy="2616200"/>
+                <a:off x="2863852" y="1001746"/>
+                <a:ext cx="5538442" cy="3386103"/>
               </a:xfrm>
               <a:prstGeom prst="curvedConnector3">
                 <a:avLst>
@@ -10245,17 +11177,19 @@
                   </a:ext>
                 </a:extLst>
               </p:cNvPr>
-              <p:cNvCxnSpPr/>
+              <p:cNvCxnSpPr>
+                <a:cxnSpLocks/>
+              </p:cNvCxnSpPr>
               <p:nvPr/>
             </p:nvCxnSpPr>
             <p:spPr>
               <a:xfrm rot="10800000" flipV="1">
-                <a:off x="2711451" y="1841498"/>
-                <a:ext cx="7086671" cy="2546351"/>
+                <a:off x="2711452" y="1372790"/>
+                <a:ext cx="5690841" cy="3015057"/>
               </a:xfrm>
               <a:prstGeom prst="curvedConnector3">
                 <a:avLst>
-                  <a:gd name="adj1" fmla="val 93190"/>
+                  <a:gd name="adj1" fmla="val 50000"/>
                 </a:avLst>
               </a:prstGeom>
               <a:ln w="38100">
@@ -10289,17 +11223,19 @@
                   </a:ext>
                 </a:extLst>
               </p:cNvPr>
-              <p:cNvCxnSpPr/>
+              <p:cNvCxnSpPr>
+                <a:cxnSpLocks/>
+              </p:cNvCxnSpPr>
               <p:nvPr/>
             </p:nvCxnSpPr>
             <p:spPr>
               <a:xfrm rot="10800000" flipV="1">
-                <a:off x="1936750" y="2190750"/>
-                <a:ext cx="7543800" cy="3206750"/>
+                <a:off x="1936751" y="1765242"/>
+                <a:ext cx="6379917" cy="3632257"/>
               </a:xfrm>
               <a:prstGeom prst="curvedConnector3">
                 <a:avLst>
-                  <a:gd name="adj1" fmla="val 74832"/>
+                  <a:gd name="adj1" fmla="val 50000"/>
                 </a:avLst>
               </a:prstGeom>
               <a:ln w="38100">
@@ -10330,17 +11266,19 @@
                   </a:ext>
                 </a:extLst>
               </p:cNvPr>
-              <p:cNvCxnSpPr/>
+              <p:cNvCxnSpPr>
+                <a:cxnSpLocks/>
+              </p:cNvCxnSpPr>
               <p:nvPr/>
             </p:nvCxnSpPr>
             <p:spPr>
               <a:xfrm rot="10800000" flipV="1">
-                <a:off x="2165351" y="2247899"/>
-                <a:ext cx="7632771" cy="2139949"/>
+                <a:off x="2165353" y="2093474"/>
+                <a:ext cx="6151314" cy="2294373"/>
               </a:xfrm>
               <a:prstGeom prst="curvedConnector3">
                 <a:avLst>
-                  <a:gd name="adj1" fmla="val 61065"/>
+                  <a:gd name="adj1" fmla="val 50000"/>
                 </a:avLst>
               </a:prstGeom>
               <a:ln w="38100">
@@ -10371,17 +11309,19 @@
                   </a:ext>
                 </a:extLst>
               </p:cNvPr>
-              <p:cNvCxnSpPr/>
+              <p:cNvCxnSpPr>
+                <a:cxnSpLocks/>
+              </p:cNvCxnSpPr>
               <p:nvPr/>
             </p:nvCxnSpPr>
             <p:spPr>
               <a:xfrm rot="10800000" flipV="1">
-                <a:off x="1936750" y="2559050"/>
-                <a:ext cx="7543800" cy="1828798"/>
+                <a:off x="1936751" y="2485927"/>
+                <a:ext cx="6379917" cy="1901920"/>
               </a:xfrm>
               <a:prstGeom prst="curvedConnector3">
                 <a:avLst>
-                  <a:gd name="adj1" fmla="val 66751"/>
+                  <a:gd name="adj1" fmla="val 50000"/>
                 </a:avLst>
               </a:prstGeom>
               <a:ln w="38100">
@@ -11745,7 +12685,7 @@
 </p:sld>
 </file>
 
-<file path=ppt/slides/slide5.xml><?xml version="1.0" encoding="utf-8"?>
+<file path=ppt/slides/slide6.xml><?xml version="1.0" encoding="utf-8"?>
 <p:sld xmlns:a="http://schemas.openxmlformats.org/drawingml/2006/main" xmlns:r="http://schemas.openxmlformats.org/officeDocument/2006/relationships" xmlns:p="http://schemas.openxmlformats.org/presentationml/2006/main">
   <p:cSld>
     <p:spTree>
@@ -11776,7 +12716,7 @@
         </p:nvGrpSpPr>
         <p:grpSpPr>
           <a:xfrm>
-            <a:off x="-23284" y="0"/>
+            <a:off x="-118534" y="-196850"/>
             <a:ext cx="11288308" cy="6608589"/>
             <a:chOff x="-23284" y="0"/>
             <a:chExt cx="11288308" cy="6608589"/>
@@ -12166,13 +13106,15 @@
                   </a:ext>
                 </a:extLst>
               </p:cNvPr>
-              <p:cNvCxnSpPr/>
+              <p:cNvCxnSpPr>
+                <a:cxnSpLocks/>
+              </p:cNvCxnSpPr>
               <p:nvPr/>
             </p:nvCxnSpPr>
             <p:spPr>
-              <a:xfrm rot="5400000">
-                <a:off x="8020050" y="1651000"/>
-                <a:ext cx="2044700" cy="1727200"/>
+              <a:xfrm>
+                <a:off x="7089363" y="3029108"/>
+                <a:ext cx="1089438" cy="507842"/>
               </a:xfrm>
               <a:prstGeom prst="curvedConnector3">
                 <a:avLst/>
@@ -12208,13 +13150,15 @@
                   </a:ext>
                 </a:extLst>
               </p:cNvPr>
-              <p:cNvCxnSpPr/>
+              <p:cNvCxnSpPr>
+                <a:cxnSpLocks/>
+              </p:cNvCxnSpPr>
               <p:nvPr/>
             </p:nvCxnSpPr>
             <p:spPr>
-              <a:xfrm rot="5400000">
-                <a:off x="6429375" y="3286125"/>
-                <a:ext cx="4787900" cy="1200150"/>
+              <a:xfrm rot="16200000" flipH="1">
+                <a:off x="6216309" y="4273207"/>
+                <a:ext cx="3251041" cy="762843"/>
               </a:xfrm>
               <a:prstGeom prst="curvedConnector3">
                 <a:avLst/>
@@ -12257,8 +13201,8 @@
             </p:nvCxnSpPr>
             <p:spPr>
               <a:xfrm rot="10800000" flipV="1">
-                <a:off x="2863851" y="1771650"/>
-                <a:ext cx="6616699" cy="2616200"/>
+                <a:off x="2863852" y="1030288"/>
+                <a:ext cx="5517036" cy="3357561"/>
               </a:xfrm>
               <a:prstGeom prst="curvedConnector3">
                 <a:avLst>
@@ -12299,17 +13243,19 @@
                   </a:ext>
                 </a:extLst>
               </p:cNvPr>
-              <p:cNvCxnSpPr/>
+              <p:cNvCxnSpPr>
+                <a:cxnSpLocks/>
+              </p:cNvCxnSpPr>
               <p:nvPr/>
             </p:nvCxnSpPr>
             <p:spPr>
               <a:xfrm rot="10800000" flipV="1">
-                <a:off x="2711451" y="1841498"/>
-                <a:ext cx="7086671" cy="2546351"/>
+                <a:off x="2711452" y="1387061"/>
+                <a:ext cx="5669434" cy="3000786"/>
               </a:xfrm>
               <a:prstGeom prst="curvedConnector3">
                 <a:avLst>
-                  <a:gd name="adj1" fmla="val 93190"/>
+                  <a:gd name="adj1" fmla="val 50000"/>
                 </a:avLst>
               </a:prstGeom>
               <a:ln w="38100">
@@ -12343,17 +13289,19 @@
                   </a:ext>
                 </a:extLst>
               </p:cNvPr>
-              <p:cNvCxnSpPr/>
+              <p:cNvCxnSpPr>
+                <a:cxnSpLocks/>
+              </p:cNvCxnSpPr>
               <p:nvPr/>
             </p:nvCxnSpPr>
             <p:spPr>
               <a:xfrm rot="10800000" flipV="1">
-                <a:off x="1936750" y="2190750"/>
-                <a:ext cx="7543800" cy="3206750"/>
+                <a:off x="1936750" y="1713466"/>
+                <a:ext cx="6286501" cy="3684033"/>
               </a:xfrm>
               <a:prstGeom prst="curvedConnector3">
                 <a:avLst>
-                  <a:gd name="adj1" fmla="val 74832"/>
+                  <a:gd name="adj1" fmla="val 50000"/>
                 </a:avLst>
               </a:prstGeom>
               <a:ln w="38100">
@@ -12384,17 +13332,19 @@
                   </a:ext>
                 </a:extLst>
               </p:cNvPr>
-              <p:cNvCxnSpPr/>
+              <p:cNvCxnSpPr>
+                <a:cxnSpLocks/>
+              </p:cNvCxnSpPr>
               <p:nvPr/>
             </p:nvCxnSpPr>
             <p:spPr>
               <a:xfrm rot="10800000" flipV="1">
-                <a:off x="2165351" y="2247899"/>
-                <a:ext cx="7632771" cy="2139949"/>
+                <a:off x="2165353" y="2122016"/>
+                <a:ext cx="6137043" cy="2265831"/>
               </a:xfrm>
               <a:prstGeom prst="curvedConnector3">
                 <a:avLst>
-                  <a:gd name="adj1" fmla="val 61065"/>
+                  <a:gd name="adj1" fmla="val 50000"/>
                 </a:avLst>
               </a:prstGeom>
               <a:ln w="38100">
@@ -12425,17 +13375,19 @@
                   </a:ext>
                 </a:extLst>
               </p:cNvPr>
-              <p:cNvCxnSpPr/>
+              <p:cNvCxnSpPr>
+                <a:cxnSpLocks/>
+              </p:cNvCxnSpPr>
               <p:nvPr/>
             </p:nvCxnSpPr>
             <p:spPr>
               <a:xfrm rot="10800000" flipV="1">
-                <a:off x="1936750" y="2559050"/>
-                <a:ext cx="7543800" cy="1828798"/>
+                <a:off x="1936754" y="2477569"/>
+                <a:ext cx="6444134" cy="1910277"/>
               </a:xfrm>
               <a:prstGeom prst="curvedConnector3">
                 <a:avLst>
-                  <a:gd name="adj1" fmla="val 66751"/>
+                  <a:gd name="adj1" fmla="val 50000"/>
                 </a:avLst>
               </a:prstGeom>
               <a:ln w="38100">
@@ -13800,7 +14752,7 @@
 </p:sld>
 </file>
 
-<file path=ppt/slides/slide6.xml><?xml version="1.0" encoding="utf-8"?>
+<file path=ppt/slides/slide7.xml><?xml version="1.0" encoding="utf-8"?>
 <p:sld xmlns:a="http://schemas.openxmlformats.org/drawingml/2006/main" xmlns:r="http://schemas.openxmlformats.org/officeDocument/2006/relationships" xmlns:p="http://schemas.openxmlformats.org/presentationml/2006/main">
   <p:cSld>
     <p:spTree>
